--- a/doc/詳細設計/画面設計図.pptx
+++ b/doc/詳細設計/画面設計図.pptx
@@ -270,7 +270,7 @@
           <a:p>
             <a:fld id="{06CD173B-25FB-4B1A-94C8-F3DEDBA41D71}" type="datetimeFigureOut">
               <a:rPr kumimoji="1" lang="ja-JP" altLang="en-US" smtClean="0"/>
-              <a:t>2022/10/19</a:t>
+              <a:t>2022/10/20</a:t>
             </a:fld>
             <a:endParaRPr kumimoji="1" lang="ja-JP" altLang="en-US"/>
           </a:p>
@@ -500,7 +500,7 @@
           <a:p>
             <a:fld id="{06CD173B-25FB-4B1A-94C8-F3DEDBA41D71}" type="datetimeFigureOut">
               <a:rPr kumimoji="1" lang="ja-JP" altLang="en-US" smtClean="0"/>
-              <a:t>2022/10/19</a:t>
+              <a:t>2022/10/20</a:t>
             </a:fld>
             <a:endParaRPr kumimoji="1" lang="ja-JP" altLang="en-US"/>
           </a:p>
@@ -740,7 +740,7 @@
           <a:p>
             <a:fld id="{06CD173B-25FB-4B1A-94C8-F3DEDBA41D71}" type="datetimeFigureOut">
               <a:rPr kumimoji="1" lang="ja-JP" altLang="en-US" smtClean="0"/>
-              <a:t>2022/10/19</a:t>
+              <a:t>2022/10/20</a:t>
             </a:fld>
             <a:endParaRPr kumimoji="1" lang="ja-JP" altLang="en-US"/>
           </a:p>
@@ -970,7 +970,7 @@
           <a:p>
             <a:fld id="{06CD173B-25FB-4B1A-94C8-F3DEDBA41D71}" type="datetimeFigureOut">
               <a:rPr kumimoji="1" lang="ja-JP" altLang="en-US" smtClean="0"/>
-              <a:t>2022/10/19</a:t>
+              <a:t>2022/10/20</a:t>
             </a:fld>
             <a:endParaRPr kumimoji="1" lang="ja-JP" altLang="en-US"/>
           </a:p>
@@ -1245,7 +1245,7 @@
           <a:p>
             <a:fld id="{06CD173B-25FB-4B1A-94C8-F3DEDBA41D71}" type="datetimeFigureOut">
               <a:rPr kumimoji="1" lang="ja-JP" altLang="en-US" smtClean="0"/>
-              <a:t>2022/10/19</a:t>
+              <a:t>2022/10/20</a:t>
             </a:fld>
             <a:endParaRPr kumimoji="1" lang="ja-JP" altLang="en-US"/>
           </a:p>
@@ -1574,7 +1574,7 @@
           <a:p>
             <a:fld id="{06CD173B-25FB-4B1A-94C8-F3DEDBA41D71}" type="datetimeFigureOut">
               <a:rPr kumimoji="1" lang="ja-JP" altLang="en-US" smtClean="0"/>
-              <a:t>2022/10/19</a:t>
+              <a:t>2022/10/20</a:t>
             </a:fld>
             <a:endParaRPr kumimoji="1" lang="ja-JP" altLang="en-US"/>
           </a:p>
@@ -2050,7 +2050,7 @@
           <a:p>
             <a:fld id="{06CD173B-25FB-4B1A-94C8-F3DEDBA41D71}" type="datetimeFigureOut">
               <a:rPr kumimoji="1" lang="ja-JP" altLang="en-US" smtClean="0"/>
-              <a:t>2022/10/19</a:t>
+              <a:t>2022/10/20</a:t>
             </a:fld>
             <a:endParaRPr kumimoji="1" lang="ja-JP" altLang="en-US"/>
           </a:p>
@@ -2191,7 +2191,7 @@
           <a:p>
             <a:fld id="{06CD173B-25FB-4B1A-94C8-F3DEDBA41D71}" type="datetimeFigureOut">
               <a:rPr kumimoji="1" lang="ja-JP" altLang="en-US" smtClean="0"/>
-              <a:t>2022/10/19</a:t>
+              <a:t>2022/10/20</a:t>
             </a:fld>
             <a:endParaRPr kumimoji="1" lang="ja-JP" altLang="en-US"/>
           </a:p>
@@ -2304,7 +2304,7 @@
           <a:p>
             <a:fld id="{06CD173B-25FB-4B1A-94C8-F3DEDBA41D71}" type="datetimeFigureOut">
               <a:rPr kumimoji="1" lang="ja-JP" altLang="en-US" smtClean="0"/>
-              <a:t>2022/10/19</a:t>
+              <a:t>2022/10/20</a:t>
             </a:fld>
             <a:endParaRPr kumimoji="1" lang="ja-JP" altLang="en-US"/>
           </a:p>
@@ -2647,7 +2647,7 @@
           <a:p>
             <a:fld id="{06CD173B-25FB-4B1A-94C8-F3DEDBA41D71}" type="datetimeFigureOut">
               <a:rPr kumimoji="1" lang="ja-JP" altLang="en-US" smtClean="0"/>
-              <a:t>2022/10/19</a:t>
+              <a:t>2022/10/20</a:t>
             </a:fld>
             <a:endParaRPr kumimoji="1" lang="ja-JP" altLang="en-US"/>
           </a:p>
@@ -2935,7 +2935,7 @@
           <a:p>
             <a:fld id="{06CD173B-25FB-4B1A-94C8-F3DEDBA41D71}" type="datetimeFigureOut">
               <a:rPr kumimoji="1" lang="ja-JP" altLang="en-US" smtClean="0"/>
-              <a:t>2022/10/19</a:t>
+              <a:t>2022/10/20</a:t>
             </a:fld>
             <a:endParaRPr kumimoji="1" lang="ja-JP" altLang="en-US"/>
           </a:p>
@@ -3208,7 +3208,7 @@
           <a:p>
             <a:fld id="{06CD173B-25FB-4B1A-94C8-F3DEDBA41D71}" type="datetimeFigureOut">
               <a:rPr kumimoji="1" lang="ja-JP" altLang="en-US" smtClean="0"/>
-              <a:t>2022/10/19</a:t>
+              <a:t>2022/10/20</a:t>
             </a:fld>
             <a:endParaRPr kumimoji="1" lang="ja-JP" altLang="en-US"/>
           </a:p>
@@ -4093,12 +4093,36 @@
           <a:lstStyle/>
           <a:p>
             <a:r>
+              <a:rPr lang="ja-JP" altLang="en-US" dirty="0">
+                <a:solidFill>
+                  <a:srgbClr val="FF0000"/>
+                </a:solidFill>
+              </a:rPr>
+              <a:t>検索ワードを</a:t>
+            </a:r>
+            <a:r>
+              <a:rPr lang="en-US" altLang="ja-JP" dirty="0">
+                <a:solidFill>
+                  <a:srgbClr val="FF0000"/>
+                </a:solidFill>
+              </a:rPr>
+              <a:t>100</a:t>
+            </a:r>
+            <a:r>
+              <a:rPr lang="ja-JP" altLang="en-US" dirty="0">
+                <a:solidFill>
+                  <a:srgbClr val="FF0000"/>
+                </a:solidFill>
+              </a:rPr>
+              <a:t>文字以下にして</a:t>
+            </a:r>
+            <a:r>
               <a:rPr kumimoji="1" lang="ja-JP" altLang="en-US" dirty="0">
                 <a:solidFill>
                   <a:srgbClr val="FF0000"/>
                 </a:solidFill>
               </a:rPr>
-              <a:t>全角スペースで単語を区切ってください</a:t>
+              <a:t>ください</a:t>
             </a:r>
           </a:p>
         </p:txBody>
@@ -4122,8 +4146,8 @@
           </a:xfrm>
           <a:prstGeom prst="wedgeRoundRectCallout">
             <a:avLst>
-              <a:gd name="adj1" fmla="val -165801"/>
-              <a:gd name="adj2" fmla="val -98875"/>
+              <a:gd name="adj1" fmla="val -157760"/>
+              <a:gd name="adj2" fmla="val -91677"/>
               <a:gd name="adj3" fmla="val 16667"/>
             </a:avLst>
           </a:prstGeom>
